--- a/01_视频教程/课堂PPT/2-2-3_基础对象的位置(position).pptx
+++ b/01_视频教程/课堂PPT/2-2-3_基础对象的位置(position).pptx
@@ -369,7 +369,7 @@
           <a:p>
             <a:fld id="{E317E137-ED4E-4D7C-9DD8-04B774B853BB}" type="datetimeFigureOut">
               <a:rPr lang="zh-CN" altLang="en-US" smtClean="0"/>
-              <a:t>2021/12/24</a:t>
+              <a:t>2021/12/28</a:t>
             </a:fld>
             <a:endParaRPr lang="zh-CN" altLang="en-US"/>
           </a:p>
@@ -567,7 +567,7 @@
           <a:p>
             <a:fld id="{E317E137-ED4E-4D7C-9DD8-04B774B853BB}" type="datetimeFigureOut">
               <a:rPr lang="zh-CN" altLang="en-US" smtClean="0"/>
-              <a:t>2021/12/24</a:t>
+              <a:t>2021/12/28</a:t>
             </a:fld>
             <a:endParaRPr lang="zh-CN" altLang="en-US"/>
           </a:p>
@@ -775,7 +775,7 @@
           <a:p>
             <a:fld id="{E317E137-ED4E-4D7C-9DD8-04B774B853BB}" type="datetimeFigureOut">
               <a:rPr lang="zh-CN" altLang="en-US" smtClean="0"/>
-              <a:t>2021/12/24</a:t>
+              <a:t>2021/12/28</a:t>
             </a:fld>
             <a:endParaRPr lang="zh-CN" altLang="en-US"/>
           </a:p>
@@ -973,7 +973,7 @@
           <a:p>
             <a:fld id="{E317E137-ED4E-4D7C-9DD8-04B774B853BB}" type="datetimeFigureOut">
               <a:rPr lang="zh-CN" altLang="en-US" smtClean="0"/>
-              <a:t>2021/12/24</a:t>
+              <a:t>2021/12/28</a:t>
             </a:fld>
             <a:endParaRPr lang="zh-CN" altLang="en-US"/>
           </a:p>
@@ -1248,7 +1248,7 @@
           <a:p>
             <a:fld id="{E317E137-ED4E-4D7C-9DD8-04B774B853BB}" type="datetimeFigureOut">
               <a:rPr lang="zh-CN" altLang="en-US" smtClean="0"/>
-              <a:t>2021/12/24</a:t>
+              <a:t>2021/12/28</a:t>
             </a:fld>
             <a:endParaRPr lang="zh-CN" altLang="en-US"/>
           </a:p>
@@ -1513,7 +1513,7 @@
           <a:p>
             <a:fld id="{E317E137-ED4E-4D7C-9DD8-04B774B853BB}" type="datetimeFigureOut">
               <a:rPr lang="zh-CN" altLang="en-US" smtClean="0"/>
-              <a:t>2021/12/24</a:t>
+              <a:t>2021/12/28</a:t>
             </a:fld>
             <a:endParaRPr lang="zh-CN" altLang="en-US"/>
           </a:p>
@@ -1925,7 +1925,7 @@
           <a:p>
             <a:fld id="{E317E137-ED4E-4D7C-9DD8-04B774B853BB}" type="datetimeFigureOut">
               <a:rPr lang="zh-CN" altLang="en-US" smtClean="0"/>
-              <a:t>2021/12/24</a:t>
+              <a:t>2021/12/28</a:t>
             </a:fld>
             <a:endParaRPr lang="zh-CN" altLang="en-US"/>
           </a:p>
@@ -2066,7 +2066,7 @@
           <a:p>
             <a:fld id="{E317E137-ED4E-4D7C-9DD8-04B774B853BB}" type="datetimeFigureOut">
               <a:rPr lang="zh-CN" altLang="en-US" smtClean="0"/>
-              <a:t>2021/12/24</a:t>
+              <a:t>2021/12/28</a:t>
             </a:fld>
             <a:endParaRPr lang="zh-CN" altLang="en-US"/>
           </a:p>
@@ -2179,7 +2179,7 @@
           <a:p>
             <a:fld id="{E317E137-ED4E-4D7C-9DD8-04B774B853BB}" type="datetimeFigureOut">
               <a:rPr lang="zh-CN" altLang="en-US" smtClean="0"/>
-              <a:t>2021/12/24</a:t>
+              <a:t>2021/12/28</a:t>
             </a:fld>
             <a:endParaRPr lang="zh-CN" altLang="en-US"/>
           </a:p>
@@ -2490,7 +2490,7 @@
           <a:p>
             <a:fld id="{E317E137-ED4E-4D7C-9DD8-04B774B853BB}" type="datetimeFigureOut">
               <a:rPr lang="zh-CN" altLang="en-US" smtClean="0"/>
-              <a:t>2021/12/24</a:t>
+              <a:t>2021/12/28</a:t>
             </a:fld>
             <a:endParaRPr lang="zh-CN" altLang="en-US"/>
           </a:p>
@@ -2778,7 +2778,7 @@
           <a:p>
             <a:fld id="{E317E137-ED4E-4D7C-9DD8-04B774B853BB}" type="datetimeFigureOut">
               <a:rPr lang="zh-CN" altLang="en-US" smtClean="0"/>
-              <a:t>2021/12/24</a:t>
+              <a:t>2021/12/28</a:t>
             </a:fld>
             <a:endParaRPr lang="zh-CN" altLang="en-US"/>
           </a:p>
@@ -3019,7 +3019,7 @@
           <a:p>
             <a:fld id="{E317E137-ED4E-4D7C-9DD8-04B774B853BB}" type="datetimeFigureOut">
               <a:rPr lang="zh-CN" altLang="en-US" smtClean="0"/>
-              <a:t>2021/12/24</a:t>
+              <a:t>2021/12/28</a:t>
             </a:fld>
             <a:endParaRPr lang="zh-CN" altLang="en-US"/>
           </a:p>
@@ -6151,7 +6151,7 @@
             <a:p>
               <a:r>
                 <a:rPr lang="en-US" altLang="zh-CN" sz="1400"/>
-                <a:t>(0,1024)</a:t>
+                <a:t>(1024,0)</a:t>
               </a:r>
               <a:endParaRPr lang="zh-CN" altLang="en-US" sz="1400"/>
             </a:p>
